--- a/Lecture0IntroCS.pptx
+++ b/Lecture0IntroCS.pptx
@@ -5,10 +5,10 @@
     <p:sldMasterId id="2147483648" r:id="rId4"/>
   </p:sldMasterIdLst>
   <p:notesMasterIdLst>
-    <p:notesMasterId r:id="rId13"/>
+    <p:notesMasterId r:id="rId29"/>
   </p:notesMasterIdLst>
   <p:handoutMasterIdLst>
-    <p:handoutMasterId r:id="rId14"/>
+    <p:handoutMasterId r:id="rId30"/>
   </p:handoutMasterIdLst>
   <p:sldIdLst>
     <p:sldId id="262" r:id="rId5"/>
@@ -18,12 +18,28 @@
     <p:sldId id="268" r:id="rId9"/>
     <p:sldId id="267" r:id="rId10"/>
     <p:sldId id="265" r:id="rId11"/>
-    <p:sldId id="258" r:id="rId12"/>
+    <p:sldId id="270" r:id="rId12"/>
+    <p:sldId id="273" r:id="rId13"/>
+    <p:sldId id="274" r:id="rId14"/>
+    <p:sldId id="275" r:id="rId15"/>
+    <p:sldId id="276" r:id="rId16"/>
+    <p:sldId id="278" r:id="rId17"/>
+    <p:sldId id="279" r:id="rId18"/>
+    <p:sldId id="280" r:id="rId19"/>
+    <p:sldId id="281" r:id="rId20"/>
+    <p:sldId id="282" r:id="rId21"/>
+    <p:sldId id="284" r:id="rId22"/>
+    <p:sldId id="286" r:id="rId23"/>
+    <p:sldId id="287" r:id="rId24"/>
+    <p:sldId id="288" r:id="rId25"/>
+    <p:sldId id="289" r:id="rId26"/>
+    <p:sldId id="290" r:id="rId27"/>
+    <p:sldId id="258" r:id="rId28"/>
   </p:sldIdLst>
   <p:sldSz cx="9144000" cy="5143500" type="screen16x9"/>
   <p:notesSz cx="6797675" cy="9928225"/>
   <p:custDataLst>
-    <p:tags r:id="rId15"/>
+    <p:tags r:id="rId31"/>
   </p:custDataLst>
   <p:defaultTextStyle>
     <a:defPPr>
@@ -3781,6 +3797,1197 @@
 </p:sld>
 </file>
 
+<file path=ppt/slides/slide10.xml><?xml version="1.0" encoding="utf-8"?>
+<p:sld xmlns:a="http://schemas.openxmlformats.org/drawingml/2006/main" xmlns:r="http://schemas.openxmlformats.org/officeDocument/2006/relationships" xmlns:p="http://schemas.openxmlformats.org/presentationml/2006/main">
+  <p:cSld>
+    <p:spTree>
+      <p:nvGrpSpPr>
+        <p:cNvPr id="1" name=""/>
+        <p:cNvGrpSpPr/>
+        <p:nvPr/>
+      </p:nvGrpSpPr>
+      <p:grpSpPr>
+        <a:xfrm>
+          <a:off x="0" y="0"/>
+          <a:ext cx="0" cy="0"/>
+          <a:chOff x="0" y="0"/>
+          <a:chExt cx="0" cy="0"/>
+        </a:xfrm>
+      </p:grpSpPr>
+      <p:sp>
+        <p:nvSpPr>
+          <p:cNvPr id="2" name="Title 1">
+            <a:extLst>
+              <a:ext uri="{FF2B5EF4-FFF2-40B4-BE49-F238E27FC236}">
+                <a16:creationId xmlns:a16="http://schemas.microsoft.com/office/drawing/2014/main" id="{764AB3A9-38A9-D23D-5985-E05EA282DDB2}"/>
+              </a:ext>
+            </a:extLst>
+          </p:cNvPr>
+          <p:cNvSpPr>
+            <a:spLocks noGrp="1"/>
+          </p:cNvSpPr>
+          <p:nvPr>
+            <p:ph type="title"/>
+          </p:nvPr>
+        </p:nvSpPr>
+        <p:spPr/>
+        <p:txBody>
+          <a:bodyPr/>
+          <a:lstStyle/>
+          <a:p>
+            <a:r>
+              <a:rPr lang="en-GB" dirty="0"/>
+              <a:t>Types of Machine Learning Approaches</a:t>
+            </a:r>
+            <a:endParaRPr lang="en-US" dirty="0"/>
+          </a:p>
+        </p:txBody>
+      </p:sp>
+      <p:sp>
+        <p:nvSpPr>
+          <p:cNvPr id="3" name="Text Placeholder 2">
+            <a:extLst>
+              <a:ext uri="{FF2B5EF4-FFF2-40B4-BE49-F238E27FC236}">
+                <a16:creationId xmlns:a16="http://schemas.microsoft.com/office/drawing/2014/main" id="{99E53B81-FFC5-48BB-5B0C-95FB5364A303}"/>
+              </a:ext>
+            </a:extLst>
+          </p:cNvPr>
+          <p:cNvSpPr>
+            <a:spLocks noGrp="1"/>
+          </p:cNvSpPr>
+          <p:nvPr>
+            <p:ph type="body" sz="quarter" idx="10"/>
+          </p:nvPr>
+        </p:nvSpPr>
+        <p:spPr/>
+        <p:txBody>
+          <a:bodyPr/>
+          <a:lstStyle/>
+          <a:p>
+            <a:endParaRPr lang="en-US"/>
+          </a:p>
+        </p:txBody>
+      </p:sp>
+      <p:pic>
+        <p:nvPicPr>
+          <p:cNvPr id="4100" name="Picture 4">
+            <a:extLst>
+              <a:ext uri="{FF2B5EF4-FFF2-40B4-BE49-F238E27FC236}">
+                <a16:creationId xmlns:a16="http://schemas.microsoft.com/office/drawing/2014/main" id="{E750CA8C-CB56-8EC2-603D-0FDFC63DC0A6}"/>
+              </a:ext>
+            </a:extLst>
+          </p:cNvPr>
+          <p:cNvPicPr>
+            <a:picLocks noChangeAspect="1" noChangeArrowheads="1"/>
+          </p:cNvPicPr>
+          <p:nvPr/>
+        </p:nvPicPr>
+        <p:blipFill>
+          <a:blip r:embed="rId2">
+            <a:extLst>
+              <a:ext uri="{28A0092B-C50C-407E-A947-70E740481C1C}">
+                <a14:useLocalDpi xmlns:a14="http://schemas.microsoft.com/office/drawing/2010/main" val="0"/>
+              </a:ext>
+            </a:extLst>
+          </a:blip>
+          <a:srcRect/>
+          <a:stretch>
+            <a:fillRect/>
+          </a:stretch>
+        </p:blipFill>
+        <p:spPr bwMode="auto">
+          <a:xfrm>
+            <a:off x="3275856" y="405901"/>
+            <a:ext cx="5780944" cy="4331697"/>
+          </a:xfrm>
+          <a:prstGeom prst="rect">
+            <a:avLst/>
+          </a:prstGeom>
+          <a:noFill/>
+          <a:extLst>
+            <a:ext uri="{909E8E84-426E-40DD-AFC4-6F175D3DCCD1}">
+              <a14:hiddenFill xmlns:a14="http://schemas.microsoft.com/office/drawing/2010/main">
+                <a:solidFill>
+                  <a:srgbClr val="FFFFFF"/>
+                </a:solidFill>
+              </a14:hiddenFill>
+            </a:ext>
+          </a:extLst>
+        </p:spPr>
+      </p:pic>
+    </p:spTree>
+    <p:extLst>
+      <p:ext uri="{BB962C8B-B14F-4D97-AF65-F5344CB8AC3E}">
+        <p14:creationId xmlns:p14="http://schemas.microsoft.com/office/powerpoint/2010/main" val="3772038669"/>
+      </p:ext>
+    </p:extLst>
+  </p:cSld>
+  <p:clrMapOvr>
+    <a:masterClrMapping/>
+  </p:clrMapOvr>
+</p:sld>
+</file>
+
+<file path=ppt/slides/slide11.xml><?xml version="1.0" encoding="utf-8"?>
+<p:sld xmlns:a="http://schemas.openxmlformats.org/drawingml/2006/main" xmlns:r="http://schemas.openxmlformats.org/officeDocument/2006/relationships" xmlns:p="http://schemas.openxmlformats.org/presentationml/2006/main">
+  <p:cSld>
+    <p:spTree>
+      <p:nvGrpSpPr>
+        <p:cNvPr id="1" name=""/>
+        <p:cNvGrpSpPr/>
+        <p:nvPr/>
+      </p:nvGrpSpPr>
+      <p:grpSpPr>
+        <a:xfrm>
+          <a:off x="0" y="0"/>
+          <a:ext cx="0" cy="0"/>
+          <a:chOff x="0" y="0"/>
+          <a:chExt cx="0" cy="0"/>
+        </a:xfrm>
+      </p:grpSpPr>
+      <p:sp>
+        <p:nvSpPr>
+          <p:cNvPr id="2" name="Title 1">
+            <a:extLst>
+              <a:ext uri="{FF2B5EF4-FFF2-40B4-BE49-F238E27FC236}">
+                <a16:creationId xmlns:a16="http://schemas.microsoft.com/office/drawing/2014/main" id="{74416897-E043-CAA7-085F-9657D3C7710E}"/>
+              </a:ext>
+            </a:extLst>
+          </p:cNvPr>
+          <p:cNvSpPr>
+            <a:spLocks noGrp="1"/>
+          </p:cNvSpPr>
+          <p:nvPr>
+            <p:ph type="title"/>
+          </p:nvPr>
+        </p:nvSpPr>
+        <p:spPr/>
+        <p:txBody>
+          <a:bodyPr/>
+          <a:lstStyle/>
+          <a:p>
+            <a:r>
+              <a:rPr lang="en-US" dirty="0"/>
+              <a:t>Model vs Data-Centric AI</a:t>
+            </a:r>
+          </a:p>
+        </p:txBody>
+      </p:sp>
+      <p:pic>
+        <p:nvPicPr>
+          <p:cNvPr id="6146" name="Picture 2">
+            <a:extLst>
+              <a:ext uri="{FF2B5EF4-FFF2-40B4-BE49-F238E27FC236}">
+                <a16:creationId xmlns:a16="http://schemas.microsoft.com/office/drawing/2014/main" id="{9D07EF9E-1BDE-B075-723D-F8601420B054}"/>
+              </a:ext>
+            </a:extLst>
+          </p:cNvPr>
+          <p:cNvPicPr>
+            <a:picLocks noChangeAspect="1" noChangeArrowheads="1"/>
+          </p:cNvPicPr>
+          <p:nvPr/>
+        </p:nvPicPr>
+        <p:blipFill>
+          <a:blip r:embed="rId2">
+            <a:extLst>
+              <a:ext uri="{28A0092B-C50C-407E-A947-70E740481C1C}">
+                <a14:useLocalDpi xmlns:a14="http://schemas.microsoft.com/office/drawing/2010/main" val="0"/>
+              </a:ext>
+            </a:extLst>
+          </a:blip>
+          <a:srcRect/>
+          <a:stretch>
+            <a:fillRect/>
+          </a:stretch>
+        </p:blipFill>
+        <p:spPr bwMode="auto">
+          <a:xfrm>
+            <a:off x="3995936" y="987574"/>
+            <a:ext cx="5001369" cy="3470644"/>
+          </a:xfrm>
+          <a:prstGeom prst="rect">
+            <a:avLst/>
+          </a:prstGeom>
+          <a:noFill/>
+          <a:extLst>
+            <a:ext uri="{909E8E84-426E-40DD-AFC4-6F175D3DCCD1}">
+              <a14:hiddenFill xmlns:a14="http://schemas.microsoft.com/office/drawing/2010/main">
+                <a:solidFill>
+                  <a:srgbClr val="FFFFFF"/>
+                </a:solidFill>
+              </a14:hiddenFill>
+            </a:ext>
+          </a:extLst>
+        </p:spPr>
+      </p:pic>
+    </p:spTree>
+    <p:extLst>
+      <p:ext uri="{BB962C8B-B14F-4D97-AF65-F5344CB8AC3E}">
+        <p14:creationId xmlns:p14="http://schemas.microsoft.com/office/powerpoint/2010/main" val="2547022390"/>
+      </p:ext>
+    </p:extLst>
+  </p:cSld>
+  <p:clrMapOvr>
+    <a:masterClrMapping/>
+  </p:clrMapOvr>
+</p:sld>
+</file>
+
+<file path=ppt/slides/slide12.xml><?xml version="1.0" encoding="utf-8"?>
+<p:sld xmlns:a="http://schemas.openxmlformats.org/drawingml/2006/main" xmlns:r="http://schemas.openxmlformats.org/officeDocument/2006/relationships" xmlns:p="http://schemas.openxmlformats.org/presentationml/2006/main">
+  <p:cSld>
+    <p:spTree>
+      <p:nvGrpSpPr>
+        <p:cNvPr id="1" name=""/>
+        <p:cNvGrpSpPr/>
+        <p:nvPr/>
+      </p:nvGrpSpPr>
+      <p:grpSpPr>
+        <a:xfrm>
+          <a:off x="0" y="0"/>
+          <a:ext cx="0" cy="0"/>
+          <a:chOff x="0" y="0"/>
+          <a:chExt cx="0" cy="0"/>
+        </a:xfrm>
+      </p:grpSpPr>
+      <p:sp>
+        <p:nvSpPr>
+          <p:cNvPr id="2" name="Title 1">
+            <a:extLst>
+              <a:ext uri="{FF2B5EF4-FFF2-40B4-BE49-F238E27FC236}">
+                <a16:creationId xmlns:a16="http://schemas.microsoft.com/office/drawing/2014/main" id="{8FBC412D-08A1-D717-A8A7-B5B6C94E1AAC}"/>
+              </a:ext>
+            </a:extLst>
+          </p:cNvPr>
+          <p:cNvSpPr>
+            <a:spLocks noGrp="1"/>
+          </p:cNvSpPr>
+          <p:nvPr>
+            <p:ph type="title"/>
+          </p:nvPr>
+        </p:nvSpPr>
+        <p:spPr/>
+        <p:txBody>
+          <a:bodyPr/>
+          <a:lstStyle/>
+          <a:p>
+            <a:r>
+              <a:rPr lang="en-US" dirty="0"/>
+              <a:t>Data Types</a:t>
+            </a:r>
+          </a:p>
+        </p:txBody>
+      </p:sp>
+      <p:pic>
+        <p:nvPicPr>
+          <p:cNvPr id="7170" name="Picture 2">
+            <a:extLst>
+              <a:ext uri="{FF2B5EF4-FFF2-40B4-BE49-F238E27FC236}">
+                <a16:creationId xmlns:a16="http://schemas.microsoft.com/office/drawing/2014/main" id="{DCC29F83-25E7-53DE-90C4-EB29B76C5150}"/>
+              </a:ext>
+            </a:extLst>
+          </p:cNvPr>
+          <p:cNvPicPr>
+            <a:picLocks noChangeAspect="1" noChangeArrowheads="1"/>
+          </p:cNvPicPr>
+          <p:nvPr/>
+        </p:nvPicPr>
+        <p:blipFill>
+          <a:blip r:embed="rId2">
+            <a:extLst>
+              <a:ext uri="{28A0092B-C50C-407E-A947-70E740481C1C}">
+                <a14:useLocalDpi xmlns:a14="http://schemas.microsoft.com/office/drawing/2010/main" val="0"/>
+              </a:ext>
+            </a:extLst>
+          </a:blip>
+          <a:srcRect/>
+          <a:stretch>
+            <a:fillRect/>
+          </a:stretch>
+        </p:blipFill>
+        <p:spPr bwMode="auto">
+          <a:xfrm>
+            <a:off x="15302" y="1203598"/>
+            <a:ext cx="9144000" cy="3616325"/>
+          </a:xfrm>
+          <a:prstGeom prst="rect">
+            <a:avLst/>
+          </a:prstGeom>
+          <a:noFill/>
+          <a:extLst>
+            <a:ext uri="{909E8E84-426E-40DD-AFC4-6F175D3DCCD1}">
+              <a14:hiddenFill xmlns:a14="http://schemas.microsoft.com/office/drawing/2010/main">
+                <a:solidFill>
+                  <a:srgbClr val="FFFFFF"/>
+                </a:solidFill>
+              </a14:hiddenFill>
+            </a:ext>
+          </a:extLst>
+        </p:spPr>
+      </p:pic>
+    </p:spTree>
+    <p:extLst>
+      <p:ext uri="{BB962C8B-B14F-4D97-AF65-F5344CB8AC3E}">
+        <p14:creationId xmlns:p14="http://schemas.microsoft.com/office/powerpoint/2010/main" val="3261575896"/>
+      </p:ext>
+    </p:extLst>
+  </p:cSld>
+  <p:clrMapOvr>
+    <a:masterClrMapping/>
+  </p:clrMapOvr>
+</p:sld>
+</file>
+
+<file path=ppt/slides/slide13.xml><?xml version="1.0" encoding="utf-8"?>
+<p:sld xmlns:a="http://schemas.openxmlformats.org/drawingml/2006/main" xmlns:r="http://schemas.openxmlformats.org/officeDocument/2006/relationships" xmlns:p="http://schemas.openxmlformats.org/presentationml/2006/main">
+  <p:cSld>
+    <p:spTree>
+      <p:nvGrpSpPr>
+        <p:cNvPr id="1" name=""/>
+        <p:cNvGrpSpPr/>
+        <p:nvPr/>
+      </p:nvGrpSpPr>
+      <p:grpSpPr>
+        <a:xfrm>
+          <a:off x="0" y="0"/>
+          <a:ext cx="0" cy="0"/>
+          <a:chOff x="0" y="0"/>
+          <a:chExt cx="0" cy="0"/>
+        </a:xfrm>
+      </p:grpSpPr>
+      <p:sp>
+        <p:nvSpPr>
+          <p:cNvPr id="2" name="Title 1">
+            <a:extLst>
+              <a:ext uri="{FF2B5EF4-FFF2-40B4-BE49-F238E27FC236}">
+                <a16:creationId xmlns:a16="http://schemas.microsoft.com/office/drawing/2014/main" id="{7B97ED54-0709-4BCA-3462-187898FE5F2E}"/>
+              </a:ext>
+            </a:extLst>
+          </p:cNvPr>
+          <p:cNvSpPr>
+            <a:spLocks noGrp="1"/>
+          </p:cNvSpPr>
+          <p:nvPr>
+            <p:ph type="title"/>
+          </p:nvPr>
+        </p:nvSpPr>
+        <p:spPr/>
+        <p:txBody>
+          <a:bodyPr/>
+          <a:lstStyle/>
+          <a:p>
+            <a:r>
+              <a:rPr lang="en-US" dirty="0"/>
+              <a:t>Jargon</a:t>
+            </a:r>
+          </a:p>
+        </p:txBody>
+      </p:sp>
+      <p:pic>
+        <p:nvPicPr>
+          <p:cNvPr id="10242" name="Picture 2">
+            <a:extLst>
+              <a:ext uri="{FF2B5EF4-FFF2-40B4-BE49-F238E27FC236}">
+                <a16:creationId xmlns:a16="http://schemas.microsoft.com/office/drawing/2014/main" id="{398354A9-1C5D-DE44-04D0-1F7B0DD9C2CE}"/>
+              </a:ext>
+            </a:extLst>
+          </p:cNvPr>
+          <p:cNvPicPr>
+            <a:picLocks noChangeAspect="1" noChangeArrowheads="1"/>
+          </p:cNvPicPr>
+          <p:nvPr/>
+        </p:nvPicPr>
+        <p:blipFill>
+          <a:blip r:embed="rId2">
+            <a:extLst>
+              <a:ext uri="{28A0092B-C50C-407E-A947-70E740481C1C}">
+                <a14:useLocalDpi xmlns:a14="http://schemas.microsoft.com/office/drawing/2010/main" val="0"/>
+              </a:ext>
+            </a:extLst>
+          </a:blip>
+          <a:srcRect/>
+          <a:stretch>
+            <a:fillRect/>
+          </a:stretch>
+        </p:blipFill>
+        <p:spPr bwMode="auto">
+          <a:xfrm>
+            <a:off x="566421" y="0"/>
+            <a:ext cx="8011157" cy="4759976"/>
+          </a:xfrm>
+          <a:prstGeom prst="rect">
+            <a:avLst/>
+          </a:prstGeom>
+          <a:noFill/>
+          <a:extLst>
+            <a:ext uri="{909E8E84-426E-40DD-AFC4-6F175D3DCCD1}">
+              <a14:hiddenFill xmlns:a14="http://schemas.microsoft.com/office/drawing/2010/main">
+                <a:solidFill>
+                  <a:srgbClr val="FFFFFF"/>
+                </a:solidFill>
+              </a14:hiddenFill>
+            </a:ext>
+          </a:extLst>
+        </p:spPr>
+      </p:pic>
+    </p:spTree>
+    <p:extLst>
+      <p:ext uri="{BB962C8B-B14F-4D97-AF65-F5344CB8AC3E}">
+        <p14:creationId xmlns:p14="http://schemas.microsoft.com/office/powerpoint/2010/main" val="2142761554"/>
+      </p:ext>
+    </p:extLst>
+  </p:cSld>
+  <p:clrMapOvr>
+    <a:masterClrMapping/>
+  </p:clrMapOvr>
+</p:sld>
+</file>
+
+<file path=ppt/slides/slide14.xml><?xml version="1.0" encoding="utf-8"?>
+<p:sld xmlns:a="http://schemas.openxmlformats.org/drawingml/2006/main" xmlns:r="http://schemas.openxmlformats.org/officeDocument/2006/relationships" xmlns:p="http://schemas.openxmlformats.org/presentationml/2006/main">
+  <p:cSld>
+    <p:spTree>
+      <p:nvGrpSpPr>
+        <p:cNvPr id="1" name=""/>
+        <p:cNvGrpSpPr/>
+        <p:nvPr/>
+      </p:nvGrpSpPr>
+      <p:grpSpPr>
+        <a:xfrm>
+          <a:off x="0" y="0"/>
+          <a:ext cx="0" cy="0"/>
+          <a:chOff x="0" y="0"/>
+          <a:chExt cx="0" cy="0"/>
+        </a:xfrm>
+      </p:grpSpPr>
+      <p:sp>
+        <p:nvSpPr>
+          <p:cNvPr id="2" name="Title 1">
+            <a:extLst>
+              <a:ext uri="{FF2B5EF4-FFF2-40B4-BE49-F238E27FC236}">
+                <a16:creationId xmlns:a16="http://schemas.microsoft.com/office/drawing/2014/main" id="{AF07ACC6-8EEF-3F0D-FD91-B0D56785C9EF}"/>
+              </a:ext>
+            </a:extLst>
+          </p:cNvPr>
+          <p:cNvSpPr>
+            <a:spLocks noGrp="1"/>
+          </p:cNvSpPr>
+          <p:nvPr>
+            <p:ph type="title"/>
+          </p:nvPr>
+        </p:nvSpPr>
+        <p:spPr/>
+        <p:txBody>
+          <a:bodyPr/>
+          <a:lstStyle/>
+          <a:p>
+            <a:r>
+              <a:rPr lang="en-US" dirty="0"/>
+              <a:t>General Workflow</a:t>
+            </a:r>
+          </a:p>
+        </p:txBody>
+      </p:sp>
+      <p:sp>
+        <p:nvSpPr>
+          <p:cNvPr id="3" name="Text Placeholder 2">
+            <a:extLst>
+              <a:ext uri="{FF2B5EF4-FFF2-40B4-BE49-F238E27FC236}">
+                <a16:creationId xmlns:a16="http://schemas.microsoft.com/office/drawing/2014/main" id="{8C9F6D75-C912-7144-35B7-17B61192EB4D}"/>
+              </a:ext>
+            </a:extLst>
+          </p:cNvPr>
+          <p:cNvSpPr>
+            <a:spLocks noGrp="1"/>
+          </p:cNvSpPr>
+          <p:nvPr>
+            <p:ph type="body" sz="quarter" idx="10"/>
+          </p:nvPr>
+        </p:nvSpPr>
+        <p:spPr/>
+        <p:txBody>
+          <a:bodyPr/>
+          <a:lstStyle/>
+          <a:p>
+            <a:endParaRPr lang="en-US"/>
+          </a:p>
+        </p:txBody>
+      </p:sp>
+      <p:pic>
+        <p:nvPicPr>
+          <p:cNvPr id="11266" name="Picture 2">
+            <a:extLst>
+              <a:ext uri="{FF2B5EF4-FFF2-40B4-BE49-F238E27FC236}">
+                <a16:creationId xmlns:a16="http://schemas.microsoft.com/office/drawing/2014/main" id="{17C9A833-7AF3-9757-1CF6-8BE9CD03DA83}"/>
+              </a:ext>
+            </a:extLst>
+          </p:cNvPr>
+          <p:cNvPicPr>
+            <a:picLocks noChangeAspect="1" noChangeArrowheads="1"/>
+          </p:cNvPicPr>
+          <p:nvPr/>
+        </p:nvPicPr>
+        <p:blipFill>
+          <a:blip r:embed="rId2">
+            <a:extLst>
+              <a:ext uri="{28A0092B-C50C-407E-A947-70E740481C1C}">
+                <a14:useLocalDpi xmlns:a14="http://schemas.microsoft.com/office/drawing/2010/main" val="0"/>
+              </a:ext>
+            </a:extLst>
+          </a:blip>
+          <a:srcRect/>
+          <a:stretch>
+            <a:fillRect/>
+          </a:stretch>
+        </p:blipFill>
+        <p:spPr bwMode="auto">
+          <a:xfrm>
+            <a:off x="0" y="712788"/>
+            <a:ext cx="9144000" cy="3716337"/>
+          </a:xfrm>
+          <a:prstGeom prst="rect">
+            <a:avLst/>
+          </a:prstGeom>
+          <a:noFill/>
+          <a:extLst>
+            <a:ext uri="{909E8E84-426E-40DD-AFC4-6F175D3DCCD1}">
+              <a14:hiddenFill xmlns:a14="http://schemas.microsoft.com/office/drawing/2010/main">
+                <a:solidFill>
+                  <a:srgbClr val="FFFFFF"/>
+                </a:solidFill>
+              </a14:hiddenFill>
+            </a:ext>
+          </a:extLst>
+        </p:spPr>
+      </p:pic>
+    </p:spTree>
+    <p:extLst>
+      <p:ext uri="{BB962C8B-B14F-4D97-AF65-F5344CB8AC3E}">
+        <p14:creationId xmlns:p14="http://schemas.microsoft.com/office/powerpoint/2010/main" val="2885730083"/>
+      </p:ext>
+    </p:extLst>
+  </p:cSld>
+  <p:clrMapOvr>
+    <a:masterClrMapping/>
+  </p:clrMapOvr>
+</p:sld>
+</file>
+
+<file path=ppt/slides/slide15.xml><?xml version="1.0" encoding="utf-8"?>
+<p:sld xmlns:a="http://schemas.openxmlformats.org/drawingml/2006/main" xmlns:r="http://schemas.openxmlformats.org/officeDocument/2006/relationships" xmlns:p="http://schemas.openxmlformats.org/presentationml/2006/main">
+  <p:cSld>
+    <p:spTree>
+      <p:nvGrpSpPr>
+        <p:cNvPr id="1" name=""/>
+        <p:cNvGrpSpPr/>
+        <p:nvPr/>
+      </p:nvGrpSpPr>
+      <p:grpSpPr>
+        <a:xfrm>
+          <a:off x="0" y="0"/>
+          <a:ext cx="0" cy="0"/>
+          <a:chOff x="0" y="0"/>
+          <a:chExt cx="0" cy="0"/>
+        </a:xfrm>
+      </p:grpSpPr>
+      <p:sp>
+        <p:nvSpPr>
+          <p:cNvPr id="2" name="Title 1">
+            <a:extLst>
+              <a:ext uri="{FF2B5EF4-FFF2-40B4-BE49-F238E27FC236}">
+                <a16:creationId xmlns:a16="http://schemas.microsoft.com/office/drawing/2014/main" id="{EE9B6D99-1028-8031-1C8B-B682FC2D12AF}"/>
+              </a:ext>
+            </a:extLst>
+          </p:cNvPr>
+          <p:cNvSpPr>
+            <a:spLocks noGrp="1"/>
+          </p:cNvSpPr>
+          <p:nvPr>
+            <p:ph type="title"/>
+          </p:nvPr>
+        </p:nvSpPr>
+        <p:spPr/>
+        <p:txBody>
+          <a:bodyPr/>
+          <a:lstStyle/>
+          <a:p>
+            <a:r>
+              <a:rPr lang="en-US" dirty="0"/>
+              <a:t>What data scientists spend the most time doing</a:t>
+            </a:r>
+          </a:p>
+        </p:txBody>
+      </p:sp>
+      <p:sp>
+        <p:nvSpPr>
+          <p:cNvPr id="3" name="Text Placeholder 2">
+            <a:extLst>
+              <a:ext uri="{FF2B5EF4-FFF2-40B4-BE49-F238E27FC236}">
+                <a16:creationId xmlns:a16="http://schemas.microsoft.com/office/drawing/2014/main" id="{AD9752A6-61B2-CF68-C7E1-E3BD4400817F}"/>
+              </a:ext>
+            </a:extLst>
+          </p:cNvPr>
+          <p:cNvSpPr>
+            <a:spLocks noGrp="1"/>
+          </p:cNvSpPr>
+          <p:nvPr>
+            <p:ph type="body" sz="quarter" idx="10"/>
+          </p:nvPr>
+        </p:nvSpPr>
+        <p:spPr/>
+        <p:txBody>
+          <a:bodyPr/>
+          <a:lstStyle/>
+          <a:p>
+            <a:endParaRPr lang="en-US"/>
+          </a:p>
+        </p:txBody>
+      </p:sp>
+      <p:pic>
+        <p:nvPicPr>
+          <p:cNvPr id="12290" name="Picture 2">
+            <a:extLst>
+              <a:ext uri="{FF2B5EF4-FFF2-40B4-BE49-F238E27FC236}">
+                <a16:creationId xmlns:a16="http://schemas.microsoft.com/office/drawing/2014/main" id="{84D3B8F8-759F-A80A-7EDD-9B115458EA91}"/>
+              </a:ext>
+            </a:extLst>
+          </p:cNvPr>
+          <p:cNvPicPr>
+            <a:picLocks noChangeAspect="1" noChangeArrowheads="1"/>
+          </p:cNvPicPr>
+          <p:nvPr/>
+        </p:nvPicPr>
+        <p:blipFill>
+          <a:blip r:embed="rId2">
+            <a:extLst>
+              <a:ext uri="{28A0092B-C50C-407E-A947-70E740481C1C}">
+                <a14:useLocalDpi xmlns:a14="http://schemas.microsoft.com/office/drawing/2010/main" val="0"/>
+              </a:ext>
+            </a:extLst>
+          </a:blip>
+          <a:srcRect/>
+          <a:stretch>
+            <a:fillRect/>
+          </a:stretch>
+        </p:blipFill>
+        <p:spPr bwMode="auto">
+          <a:xfrm>
+            <a:off x="0" y="422275"/>
+            <a:ext cx="9144000" cy="4298950"/>
+          </a:xfrm>
+          <a:prstGeom prst="rect">
+            <a:avLst/>
+          </a:prstGeom>
+          <a:noFill/>
+          <a:extLst>
+            <a:ext uri="{909E8E84-426E-40DD-AFC4-6F175D3DCCD1}">
+              <a14:hiddenFill xmlns:a14="http://schemas.microsoft.com/office/drawing/2010/main">
+                <a:solidFill>
+                  <a:srgbClr val="FFFFFF"/>
+                </a:solidFill>
+              </a14:hiddenFill>
+            </a:ext>
+          </a:extLst>
+        </p:spPr>
+      </p:pic>
+    </p:spTree>
+    <p:extLst>
+      <p:ext uri="{BB962C8B-B14F-4D97-AF65-F5344CB8AC3E}">
+        <p14:creationId xmlns:p14="http://schemas.microsoft.com/office/powerpoint/2010/main" val="2544246204"/>
+      </p:ext>
+    </p:extLst>
+  </p:cSld>
+  <p:clrMapOvr>
+    <a:masterClrMapping/>
+  </p:clrMapOvr>
+</p:sld>
+</file>
+
+<file path=ppt/slides/slide16.xml><?xml version="1.0" encoding="utf-8"?>
+<p:sld xmlns:a="http://schemas.openxmlformats.org/drawingml/2006/main" xmlns:r="http://schemas.openxmlformats.org/officeDocument/2006/relationships" xmlns:p="http://schemas.openxmlformats.org/presentationml/2006/main">
+  <p:cSld>
+    <p:spTree>
+      <p:nvGrpSpPr>
+        <p:cNvPr id="1" name=""/>
+        <p:cNvGrpSpPr/>
+        <p:nvPr/>
+      </p:nvGrpSpPr>
+      <p:grpSpPr>
+        <a:xfrm>
+          <a:off x="0" y="0"/>
+          <a:ext cx="0" cy="0"/>
+          <a:chOff x="0" y="0"/>
+          <a:chExt cx="0" cy="0"/>
+        </a:xfrm>
+      </p:grpSpPr>
+      <p:sp>
+        <p:nvSpPr>
+          <p:cNvPr id="2" name="Title 1">
+            <a:extLst>
+              <a:ext uri="{FF2B5EF4-FFF2-40B4-BE49-F238E27FC236}">
+                <a16:creationId xmlns:a16="http://schemas.microsoft.com/office/drawing/2014/main" id="{E4D3F467-C065-86D8-0CD8-30A2E79FD487}"/>
+              </a:ext>
+            </a:extLst>
+          </p:cNvPr>
+          <p:cNvSpPr>
+            <a:spLocks noGrp="1"/>
+          </p:cNvSpPr>
+          <p:nvPr>
+            <p:ph type="title"/>
+          </p:nvPr>
+        </p:nvSpPr>
+        <p:spPr/>
+        <p:txBody>
+          <a:bodyPr/>
+          <a:lstStyle/>
+          <a:p>
+            <a:r>
+              <a:rPr lang="en-US" dirty="0"/>
+              <a:t>Data Preparation</a:t>
+            </a:r>
+          </a:p>
+        </p:txBody>
+      </p:sp>
+      <p:sp>
+        <p:nvSpPr>
+          <p:cNvPr id="3" name="Text Placeholder 2">
+            <a:extLst>
+              <a:ext uri="{FF2B5EF4-FFF2-40B4-BE49-F238E27FC236}">
+                <a16:creationId xmlns:a16="http://schemas.microsoft.com/office/drawing/2014/main" id="{916BF687-2D90-E2EF-85B9-F412AF4168C9}"/>
+              </a:ext>
+            </a:extLst>
+          </p:cNvPr>
+          <p:cNvSpPr>
+            <a:spLocks noGrp="1"/>
+          </p:cNvSpPr>
+          <p:nvPr>
+            <p:ph type="body" sz="quarter" idx="10"/>
+          </p:nvPr>
+        </p:nvSpPr>
+        <p:spPr/>
+        <p:txBody>
+          <a:bodyPr/>
+          <a:lstStyle/>
+          <a:p>
+            <a:endParaRPr lang="en-US"/>
+          </a:p>
+        </p:txBody>
+      </p:sp>
+      <p:pic>
+        <p:nvPicPr>
+          <p:cNvPr id="13314" name="Picture 2">
+            <a:extLst>
+              <a:ext uri="{FF2B5EF4-FFF2-40B4-BE49-F238E27FC236}">
+                <a16:creationId xmlns:a16="http://schemas.microsoft.com/office/drawing/2014/main" id="{5978ED18-D153-254A-40EA-6D30D294E651}"/>
+              </a:ext>
+            </a:extLst>
+          </p:cNvPr>
+          <p:cNvPicPr>
+            <a:picLocks noChangeAspect="1" noChangeArrowheads="1"/>
+          </p:cNvPicPr>
+          <p:nvPr/>
+        </p:nvPicPr>
+        <p:blipFill>
+          <a:blip r:embed="rId2">
+            <a:extLst>
+              <a:ext uri="{28A0092B-C50C-407E-A947-70E740481C1C}">
+                <a14:useLocalDpi xmlns:a14="http://schemas.microsoft.com/office/drawing/2010/main" val="0"/>
+              </a:ext>
+            </a:extLst>
+          </a:blip>
+          <a:srcRect/>
+          <a:stretch>
+            <a:fillRect/>
+          </a:stretch>
+        </p:blipFill>
+        <p:spPr bwMode="auto">
+          <a:xfrm>
+            <a:off x="0" y="368300"/>
+            <a:ext cx="9144000" cy="4405313"/>
+          </a:xfrm>
+          <a:prstGeom prst="rect">
+            <a:avLst/>
+          </a:prstGeom>
+          <a:noFill/>
+          <a:extLst>
+            <a:ext uri="{909E8E84-426E-40DD-AFC4-6F175D3DCCD1}">
+              <a14:hiddenFill xmlns:a14="http://schemas.microsoft.com/office/drawing/2010/main">
+                <a:solidFill>
+                  <a:srgbClr val="FFFFFF"/>
+                </a:solidFill>
+              </a14:hiddenFill>
+            </a:ext>
+          </a:extLst>
+        </p:spPr>
+      </p:pic>
+    </p:spTree>
+    <p:extLst>
+      <p:ext uri="{BB962C8B-B14F-4D97-AF65-F5344CB8AC3E}">
+        <p14:creationId xmlns:p14="http://schemas.microsoft.com/office/powerpoint/2010/main" val="2176736409"/>
+      </p:ext>
+    </p:extLst>
+  </p:cSld>
+  <p:clrMapOvr>
+    <a:masterClrMapping/>
+  </p:clrMapOvr>
+</p:sld>
+</file>
+
+<file path=ppt/slides/slide17.xml><?xml version="1.0" encoding="utf-8"?>
+<p:sld xmlns:a="http://schemas.openxmlformats.org/drawingml/2006/main" xmlns:r="http://schemas.openxmlformats.org/officeDocument/2006/relationships" xmlns:p="http://schemas.openxmlformats.org/presentationml/2006/main">
+  <p:cSld>
+    <p:spTree>
+      <p:nvGrpSpPr>
+        <p:cNvPr id="1" name=""/>
+        <p:cNvGrpSpPr/>
+        <p:nvPr/>
+      </p:nvGrpSpPr>
+      <p:grpSpPr>
+        <a:xfrm>
+          <a:off x="0" y="0"/>
+          <a:ext cx="0" cy="0"/>
+          <a:chOff x="0" y="0"/>
+          <a:chExt cx="0" cy="0"/>
+        </a:xfrm>
+      </p:grpSpPr>
+      <p:sp>
+        <p:nvSpPr>
+          <p:cNvPr id="2" name="Title 1">
+            <a:extLst>
+              <a:ext uri="{FF2B5EF4-FFF2-40B4-BE49-F238E27FC236}">
+                <a16:creationId xmlns:a16="http://schemas.microsoft.com/office/drawing/2014/main" id="{9761B78B-8856-07B3-6F52-F87F717E6C4A}"/>
+              </a:ext>
+            </a:extLst>
+          </p:cNvPr>
+          <p:cNvSpPr>
+            <a:spLocks noGrp="1"/>
+          </p:cNvSpPr>
+          <p:nvPr>
+            <p:ph type="title"/>
+          </p:nvPr>
+        </p:nvSpPr>
+        <p:spPr/>
+        <p:txBody>
+          <a:bodyPr/>
+          <a:lstStyle/>
+          <a:p>
+            <a:r>
+              <a:rPr lang="en-US" dirty="0"/>
+              <a:t>Scikit-learn</a:t>
+            </a:r>
+          </a:p>
+        </p:txBody>
+      </p:sp>
+      <p:pic>
+        <p:nvPicPr>
+          <p:cNvPr id="14338" name="Picture 2">
+            <a:extLst>
+              <a:ext uri="{FF2B5EF4-FFF2-40B4-BE49-F238E27FC236}">
+                <a16:creationId xmlns:a16="http://schemas.microsoft.com/office/drawing/2014/main" id="{0E43BBC9-A143-3818-20CE-3BD015EA95B5}"/>
+              </a:ext>
+            </a:extLst>
+          </p:cNvPr>
+          <p:cNvPicPr>
+            <a:picLocks noChangeAspect="1" noChangeArrowheads="1"/>
+          </p:cNvPicPr>
+          <p:nvPr/>
+        </p:nvPicPr>
+        <p:blipFill>
+          <a:blip r:embed="rId2">
+            <a:extLst>
+              <a:ext uri="{28A0092B-C50C-407E-A947-70E740481C1C}">
+                <a14:useLocalDpi xmlns:a14="http://schemas.microsoft.com/office/drawing/2010/main" val="0"/>
+              </a:ext>
+            </a:extLst>
+          </a:blip>
+          <a:srcRect/>
+          <a:stretch>
+            <a:fillRect/>
+          </a:stretch>
+        </p:blipFill>
+        <p:spPr bwMode="auto">
+          <a:xfrm>
+            <a:off x="1445692" y="51470"/>
+            <a:ext cx="6252616" cy="4574052"/>
+          </a:xfrm>
+          <a:prstGeom prst="rect">
+            <a:avLst/>
+          </a:prstGeom>
+          <a:noFill/>
+          <a:extLst>
+            <a:ext uri="{909E8E84-426E-40DD-AFC4-6F175D3DCCD1}">
+              <a14:hiddenFill xmlns:a14="http://schemas.microsoft.com/office/drawing/2010/main">
+                <a:solidFill>
+                  <a:srgbClr val="FFFFFF"/>
+                </a:solidFill>
+              </a14:hiddenFill>
+            </a:ext>
+          </a:extLst>
+        </p:spPr>
+      </p:pic>
+    </p:spTree>
+    <p:extLst>
+      <p:ext uri="{BB962C8B-B14F-4D97-AF65-F5344CB8AC3E}">
+        <p14:creationId xmlns:p14="http://schemas.microsoft.com/office/powerpoint/2010/main" val="3903100669"/>
+      </p:ext>
+    </p:extLst>
+  </p:cSld>
+  <p:clrMapOvr>
+    <a:masterClrMapping/>
+  </p:clrMapOvr>
+</p:sld>
+</file>
+
+<file path=ppt/slides/slide18.xml><?xml version="1.0" encoding="utf-8"?>
+<p:sld xmlns:a="http://schemas.openxmlformats.org/drawingml/2006/main" xmlns:r="http://schemas.openxmlformats.org/officeDocument/2006/relationships" xmlns:p="http://schemas.openxmlformats.org/presentationml/2006/main">
+  <p:cSld>
+    <p:spTree>
+      <p:nvGrpSpPr>
+        <p:cNvPr id="1" name=""/>
+        <p:cNvGrpSpPr/>
+        <p:nvPr/>
+      </p:nvGrpSpPr>
+      <p:grpSpPr>
+        <a:xfrm>
+          <a:off x="0" y="0"/>
+          <a:ext cx="0" cy="0"/>
+          <a:chOff x="0" y="0"/>
+          <a:chExt cx="0" cy="0"/>
+        </a:xfrm>
+      </p:grpSpPr>
+      <p:sp>
+        <p:nvSpPr>
+          <p:cNvPr id="2" name="Title 1">
+            <a:extLst>
+              <a:ext uri="{FF2B5EF4-FFF2-40B4-BE49-F238E27FC236}">
+                <a16:creationId xmlns:a16="http://schemas.microsoft.com/office/drawing/2014/main" id="{696FA243-C9A4-2CBB-65BD-C2472C5AB147}"/>
+              </a:ext>
+            </a:extLst>
+          </p:cNvPr>
+          <p:cNvSpPr>
+            <a:spLocks noGrp="1"/>
+          </p:cNvSpPr>
+          <p:nvPr>
+            <p:ph type="title"/>
+          </p:nvPr>
+        </p:nvSpPr>
+        <p:spPr/>
+        <p:txBody>
+          <a:bodyPr/>
+          <a:lstStyle/>
+          <a:p>
+            <a:r>
+              <a:rPr lang="en-US" sz="3600" dirty="0"/>
+              <a:t>Open a </a:t>
+            </a:r>
+            <a:r>
+              <a:rPr lang="en-US" sz="3600" b="1" dirty="0"/>
+              <a:t>notebook</a:t>
+            </a:r>
+            <a:r>
+              <a:rPr lang="en-US" sz="3600" dirty="0"/>
+              <a:t> in </a:t>
+            </a:r>
+            <a:r>
+              <a:rPr lang="en-GB" sz="3600" u="sng" dirty="0"/>
+              <a:t>Google </a:t>
+            </a:r>
+            <a:r>
+              <a:rPr lang="en-GB" sz="3600" u="sng" dirty="0" err="1"/>
+              <a:t>Colaboratory</a:t>
+            </a:r>
+            <a:br>
+              <a:rPr lang="en-GB" sz="4000" dirty="0"/>
+            </a:br>
+            <a:r>
+              <a:rPr lang="en-US" dirty="0"/>
+              <a:t> </a:t>
+            </a:r>
+            <a:endParaRPr lang="en-GB" dirty="0"/>
+          </a:p>
+        </p:txBody>
+      </p:sp>
+      <p:sp>
+        <p:nvSpPr>
+          <p:cNvPr id="3" name="Text Placeholder 2">
+            <a:extLst>
+              <a:ext uri="{FF2B5EF4-FFF2-40B4-BE49-F238E27FC236}">
+                <a16:creationId xmlns:a16="http://schemas.microsoft.com/office/drawing/2014/main" id="{9269778F-E999-99B5-6F19-9674CEC1FCAA}"/>
+              </a:ext>
+            </a:extLst>
+          </p:cNvPr>
+          <p:cNvSpPr>
+            <a:spLocks noGrp="1"/>
+          </p:cNvSpPr>
+          <p:nvPr>
+            <p:ph type="body" sz="quarter" idx="10"/>
+          </p:nvPr>
+        </p:nvSpPr>
+        <p:spPr/>
+        <p:txBody>
+          <a:bodyPr/>
+          <a:lstStyle/>
+          <a:p>
+            <a:pPr algn="l"/>
+            <a:r>
+              <a:rPr lang="en-GB" sz="2400" dirty="0" err="1"/>
+              <a:t>Colab</a:t>
+            </a:r>
+            <a:r>
+              <a:rPr lang="en-GB" sz="2400" dirty="0"/>
+              <a:t> is a hosted </a:t>
+            </a:r>
+            <a:r>
+              <a:rPr lang="en-GB" sz="2400" dirty="0" err="1"/>
+              <a:t>Jupyter</a:t>
+            </a:r>
+            <a:r>
+              <a:rPr lang="en-GB" sz="2400" dirty="0"/>
+              <a:t> Notebook service that requires no setup to use and provides free access to computing resources, including GPUs and TPUs. </a:t>
+            </a:r>
+            <a:r>
+              <a:rPr lang="en-GB" sz="2400" dirty="0" err="1"/>
+              <a:t>Colab</a:t>
+            </a:r>
+            <a:r>
+              <a:rPr lang="en-GB" sz="2400" dirty="0"/>
+              <a:t> is especially well suited to machine learning, data science, and education.</a:t>
+            </a:r>
+          </a:p>
+          <a:p>
+            <a:r>
+              <a:rPr lang="en-GB" u="sng" dirty="0"/>
+              <a:t>https://</a:t>
+            </a:r>
+            <a:r>
+              <a:rPr lang="en-GB" u="sng" dirty="0" err="1"/>
+              <a:t>colab.google</a:t>
+            </a:r>
+            <a:r>
+              <a:rPr lang="en-GB" u="sng" dirty="0"/>
+              <a:t>/</a:t>
+            </a:r>
+          </a:p>
+        </p:txBody>
+      </p:sp>
+    </p:spTree>
+    <p:extLst>
+      <p:ext uri="{BB962C8B-B14F-4D97-AF65-F5344CB8AC3E}">
+        <p14:creationId xmlns:p14="http://schemas.microsoft.com/office/powerpoint/2010/main" val="70523089"/>
+      </p:ext>
+    </p:extLst>
+  </p:cSld>
+  <p:clrMapOvr>
+    <a:masterClrMapping/>
+  </p:clrMapOvr>
+</p:sld>
+</file>
+
+<file path=ppt/slides/slide19.xml><?xml version="1.0" encoding="utf-8"?>
+<p:sld xmlns:a="http://schemas.openxmlformats.org/drawingml/2006/main" xmlns:r="http://schemas.openxmlformats.org/officeDocument/2006/relationships" xmlns:p="http://schemas.openxmlformats.org/presentationml/2006/main">
+  <p:cSld>
+    <p:spTree>
+      <p:nvGrpSpPr>
+        <p:cNvPr id="1" name=""/>
+        <p:cNvGrpSpPr/>
+        <p:nvPr/>
+      </p:nvGrpSpPr>
+      <p:grpSpPr>
+        <a:xfrm>
+          <a:off x="0" y="0"/>
+          <a:ext cx="0" cy="0"/>
+          <a:chOff x="0" y="0"/>
+          <a:chExt cx="0" cy="0"/>
+        </a:xfrm>
+      </p:grpSpPr>
+      <p:sp>
+        <p:nvSpPr>
+          <p:cNvPr id="2" name="Title 1">
+            <a:extLst>
+              <a:ext uri="{FF2B5EF4-FFF2-40B4-BE49-F238E27FC236}">
+                <a16:creationId xmlns:a16="http://schemas.microsoft.com/office/drawing/2014/main" id="{5D7BC75E-4C1B-B75A-8542-B19C45813736}"/>
+              </a:ext>
+            </a:extLst>
+          </p:cNvPr>
+          <p:cNvSpPr>
+            <a:spLocks noGrp="1"/>
+          </p:cNvSpPr>
+          <p:nvPr>
+            <p:ph type="title"/>
+          </p:nvPr>
+        </p:nvSpPr>
+        <p:spPr/>
+        <p:txBody>
+          <a:bodyPr/>
+          <a:lstStyle/>
+          <a:p>
+            <a:r>
+              <a:rPr lang="en-US" dirty="0"/>
+              <a:t>Target Encoding</a:t>
+            </a:r>
+          </a:p>
+        </p:txBody>
+      </p:sp>
+      <p:pic>
+        <p:nvPicPr>
+          <p:cNvPr id="17414" name="Picture 6">
+            <a:extLst>
+              <a:ext uri="{FF2B5EF4-FFF2-40B4-BE49-F238E27FC236}">
+                <a16:creationId xmlns:a16="http://schemas.microsoft.com/office/drawing/2014/main" id="{33C011ED-9DF4-F64E-39B3-AD5E3520760C}"/>
+              </a:ext>
+            </a:extLst>
+          </p:cNvPr>
+          <p:cNvPicPr>
+            <a:picLocks noChangeAspect="1" noChangeArrowheads="1"/>
+          </p:cNvPicPr>
+          <p:nvPr/>
+        </p:nvPicPr>
+        <p:blipFill>
+          <a:blip r:embed="rId2">
+            <a:extLst>
+              <a:ext uri="{28A0092B-C50C-407E-A947-70E740481C1C}">
+                <a14:useLocalDpi xmlns:a14="http://schemas.microsoft.com/office/drawing/2010/main" val="0"/>
+              </a:ext>
+            </a:extLst>
+          </a:blip>
+          <a:srcRect/>
+          <a:stretch>
+            <a:fillRect/>
+          </a:stretch>
+        </p:blipFill>
+        <p:spPr bwMode="auto">
+          <a:xfrm>
+            <a:off x="2667000" y="1536700"/>
+            <a:ext cx="3810000" cy="2070100"/>
+          </a:xfrm>
+          <a:prstGeom prst="rect">
+            <a:avLst/>
+          </a:prstGeom>
+          <a:noFill/>
+          <a:extLst>
+            <a:ext uri="{909E8E84-426E-40DD-AFC4-6F175D3DCCD1}">
+              <a14:hiddenFill xmlns:a14="http://schemas.microsoft.com/office/drawing/2010/main">
+                <a:solidFill>
+                  <a:srgbClr val="FFFFFF"/>
+                </a:solidFill>
+              </a14:hiddenFill>
+            </a:ext>
+          </a:extLst>
+        </p:spPr>
+      </p:pic>
+    </p:spTree>
+    <p:extLst>
+      <p:ext uri="{BB962C8B-B14F-4D97-AF65-F5344CB8AC3E}">
+        <p14:creationId xmlns:p14="http://schemas.microsoft.com/office/powerpoint/2010/main" val="4139725335"/>
+      </p:ext>
+    </p:extLst>
+  </p:cSld>
+  <p:clrMapOvr>
+    <a:masterClrMapping/>
+  </p:clrMapOvr>
+</p:sld>
+</file>
+
 <file path=ppt/slides/slide2.xml><?xml version="1.0" encoding="utf-8"?>
 <p:sld xmlns:a="http://schemas.openxmlformats.org/drawingml/2006/main" xmlns:r="http://schemas.openxmlformats.org/officeDocument/2006/relationships" xmlns:p="http://schemas.openxmlformats.org/presentationml/2006/main">
   <p:cSld>
@@ -3876,6 +5083,12 @@
             </a:r>
           </a:p>
           <a:p>
+            <a:r>
+              <a:rPr lang="en-GB" dirty="0"/>
+              <a:t>… … … …</a:t>
+            </a:r>
+          </a:p>
+          <a:p>
             <a:endParaRPr lang="en-GB" dirty="0"/>
           </a:p>
           <a:p>
@@ -3887,6 +5100,554 @@
     <p:extLst>
       <p:ext uri="{BB962C8B-B14F-4D97-AF65-F5344CB8AC3E}">
         <p14:creationId xmlns:p14="http://schemas.microsoft.com/office/powerpoint/2010/main" val="2322348743"/>
+      </p:ext>
+    </p:extLst>
+  </p:cSld>
+  <p:clrMapOvr>
+    <a:masterClrMapping/>
+  </p:clrMapOvr>
+</p:sld>
+</file>
+
+<file path=ppt/slides/slide20.xml><?xml version="1.0" encoding="utf-8"?>
+<p:sld xmlns:a="http://schemas.openxmlformats.org/drawingml/2006/main" xmlns:r="http://schemas.openxmlformats.org/officeDocument/2006/relationships" xmlns:p="http://schemas.openxmlformats.org/presentationml/2006/main">
+  <p:cSld>
+    <p:spTree>
+      <p:nvGrpSpPr>
+        <p:cNvPr id="1" name=""/>
+        <p:cNvGrpSpPr/>
+        <p:nvPr/>
+      </p:nvGrpSpPr>
+      <p:grpSpPr>
+        <a:xfrm>
+          <a:off x="0" y="0"/>
+          <a:ext cx="0" cy="0"/>
+          <a:chOff x="0" y="0"/>
+          <a:chExt cx="0" cy="0"/>
+        </a:xfrm>
+      </p:grpSpPr>
+      <p:sp>
+        <p:nvSpPr>
+          <p:cNvPr id="2" name="Title 1">
+            <a:extLst>
+              <a:ext uri="{FF2B5EF4-FFF2-40B4-BE49-F238E27FC236}">
+                <a16:creationId xmlns:a16="http://schemas.microsoft.com/office/drawing/2014/main" id="{80A2D362-365F-FFCC-A12C-3B3D0935C7A3}"/>
+              </a:ext>
+            </a:extLst>
+          </p:cNvPr>
+          <p:cNvSpPr>
+            <a:spLocks noGrp="1"/>
+          </p:cNvSpPr>
+          <p:nvPr>
+            <p:ph type="title"/>
+          </p:nvPr>
+        </p:nvSpPr>
+        <p:spPr/>
+        <p:txBody>
+          <a:bodyPr/>
+          <a:lstStyle/>
+          <a:p>
+            <a:r>
+              <a:rPr lang="en-US" dirty="0"/>
+              <a:t>One Hot Encoding</a:t>
+            </a:r>
+          </a:p>
+        </p:txBody>
+      </p:sp>
+      <p:pic>
+        <p:nvPicPr>
+          <p:cNvPr id="18434" name="Picture 2">
+            <a:extLst>
+              <a:ext uri="{FF2B5EF4-FFF2-40B4-BE49-F238E27FC236}">
+                <a16:creationId xmlns:a16="http://schemas.microsoft.com/office/drawing/2014/main" id="{6639DC7A-1480-B8E0-A364-ECC751167E6D}"/>
+              </a:ext>
+            </a:extLst>
+          </p:cNvPr>
+          <p:cNvPicPr>
+            <a:picLocks noChangeAspect="1" noChangeArrowheads="1"/>
+          </p:cNvPicPr>
+          <p:nvPr/>
+        </p:nvPicPr>
+        <p:blipFill>
+          <a:blip r:embed="rId2">
+            <a:extLst>
+              <a:ext uri="{28A0092B-C50C-407E-A947-70E740481C1C}">
+                <a14:useLocalDpi xmlns:a14="http://schemas.microsoft.com/office/drawing/2010/main" val="0"/>
+              </a:ext>
+            </a:extLst>
+          </a:blip>
+          <a:srcRect/>
+          <a:stretch>
+            <a:fillRect/>
+          </a:stretch>
+        </p:blipFill>
+        <p:spPr bwMode="auto">
+          <a:xfrm>
+            <a:off x="1327150" y="1422400"/>
+            <a:ext cx="6489700" cy="2298700"/>
+          </a:xfrm>
+          <a:prstGeom prst="rect">
+            <a:avLst/>
+          </a:prstGeom>
+          <a:noFill/>
+          <a:extLst>
+            <a:ext uri="{909E8E84-426E-40DD-AFC4-6F175D3DCCD1}">
+              <a14:hiddenFill xmlns:a14="http://schemas.microsoft.com/office/drawing/2010/main">
+                <a:solidFill>
+                  <a:srgbClr val="FFFFFF"/>
+                </a:solidFill>
+              </a14:hiddenFill>
+            </a:ext>
+          </a:extLst>
+        </p:spPr>
+      </p:pic>
+    </p:spTree>
+    <p:extLst>
+      <p:ext uri="{BB962C8B-B14F-4D97-AF65-F5344CB8AC3E}">
+        <p14:creationId xmlns:p14="http://schemas.microsoft.com/office/powerpoint/2010/main" val="748661259"/>
+      </p:ext>
+    </p:extLst>
+  </p:cSld>
+  <p:clrMapOvr>
+    <a:masterClrMapping/>
+  </p:clrMapOvr>
+</p:sld>
+</file>
+
+<file path=ppt/slides/slide21.xml><?xml version="1.0" encoding="utf-8"?>
+<p:sld xmlns:a="http://schemas.openxmlformats.org/drawingml/2006/main" xmlns:r="http://schemas.openxmlformats.org/officeDocument/2006/relationships" xmlns:p="http://schemas.openxmlformats.org/presentationml/2006/main">
+  <p:cSld>
+    <p:spTree>
+      <p:nvGrpSpPr>
+        <p:cNvPr id="1" name=""/>
+        <p:cNvGrpSpPr/>
+        <p:nvPr/>
+      </p:nvGrpSpPr>
+      <p:grpSpPr>
+        <a:xfrm>
+          <a:off x="0" y="0"/>
+          <a:ext cx="0" cy="0"/>
+          <a:chOff x="0" y="0"/>
+          <a:chExt cx="0" cy="0"/>
+        </a:xfrm>
+      </p:grpSpPr>
+      <p:sp>
+        <p:nvSpPr>
+          <p:cNvPr id="2" name="Title 1">
+            <a:extLst>
+              <a:ext uri="{FF2B5EF4-FFF2-40B4-BE49-F238E27FC236}">
+                <a16:creationId xmlns:a16="http://schemas.microsoft.com/office/drawing/2014/main" id="{0CDD941C-A8E7-1802-34E5-042C96D245C0}"/>
+              </a:ext>
+            </a:extLst>
+          </p:cNvPr>
+          <p:cNvSpPr>
+            <a:spLocks noGrp="1"/>
+          </p:cNvSpPr>
+          <p:nvPr>
+            <p:ph type="title"/>
+          </p:nvPr>
+        </p:nvSpPr>
+        <p:spPr/>
+        <p:txBody>
+          <a:bodyPr/>
+          <a:lstStyle/>
+          <a:p>
+            <a:r>
+              <a:rPr lang="en-US" dirty="0"/>
+              <a:t>Dummy Encoding</a:t>
+            </a:r>
+          </a:p>
+        </p:txBody>
+      </p:sp>
+      <p:sp>
+        <p:nvSpPr>
+          <p:cNvPr id="3" name="Text Placeholder 2">
+            <a:extLst>
+              <a:ext uri="{FF2B5EF4-FFF2-40B4-BE49-F238E27FC236}">
+                <a16:creationId xmlns:a16="http://schemas.microsoft.com/office/drawing/2014/main" id="{C2FABDAD-B673-6984-06B7-C1E53E8B092F}"/>
+              </a:ext>
+            </a:extLst>
+          </p:cNvPr>
+          <p:cNvSpPr>
+            <a:spLocks noGrp="1"/>
+          </p:cNvSpPr>
+          <p:nvPr>
+            <p:ph type="body" sz="quarter" idx="10"/>
+          </p:nvPr>
+        </p:nvSpPr>
+        <p:spPr/>
+        <p:txBody>
+          <a:bodyPr/>
+          <a:lstStyle/>
+          <a:p>
+            <a:endParaRPr lang="en-US"/>
+          </a:p>
+        </p:txBody>
+      </p:sp>
+      <p:pic>
+        <p:nvPicPr>
+          <p:cNvPr id="19458" name="Picture 2">
+            <a:extLst>
+              <a:ext uri="{FF2B5EF4-FFF2-40B4-BE49-F238E27FC236}">
+                <a16:creationId xmlns:a16="http://schemas.microsoft.com/office/drawing/2014/main" id="{5584F455-11D4-9012-6F4D-A92E840F4BAF}"/>
+              </a:ext>
+            </a:extLst>
+          </p:cNvPr>
+          <p:cNvPicPr>
+            <a:picLocks noChangeAspect="1" noChangeArrowheads="1"/>
+          </p:cNvPicPr>
+          <p:nvPr/>
+        </p:nvPicPr>
+        <p:blipFill>
+          <a:blip r:embed="rId2">
+            <a:extLst>
+              <a:ext uri="{28A0092B-C50C-407E-A947-70E740481C1C}">
+                <a14:useLocalDpi xmlns:a14="http://schemas.microsoft.com/office/drawing/2010/main" val="0"/>
+              </a:ext>
+            </a:extLst>
+          </a:blip>
+          <a:srcRect/>
+          <a:stretch>
+            <a:fillRect/>
+          </a:stretch>
+        </p:blipFill>
+        <p:spPr bwMode="auto">
+          <a:xfrm>
+            <a:off x="1835150" y="1422400"/>
+            <a:ext cx="5473700" cy="2298700"/>
+          </a:xfrm>
+          <a:prstGeom prst="rect">
+            <a:avLst/>
+          </a:prstGeom>
+          <a:noFill/>
+          <a:extLst>
+            <a:ext uri="{909E8E84-426E-40DD-AFC4-6F175D3DCCD1}">
+              <a14:hiddenFill xmlns:a14="http://schemas.microsoft.com/office/drawing/2010/main">
+                <a:solidFill>
+                  <a:srgbClr val="FFFFFF"/>
+                </a:solidFill>
+              </a14:hiddenFill>
+            </a:ext>
+          </a:extLst>
+        </p:spPr>
+      </p:pic>
+    </p:spTree>
+    <p:extLst>
+      <p:ext uri="{BB962C8B-B14F-4D97-AF65-F5344CB8AC3E}">
+        <p14:creationId xmlns:p14="http://schemas.microsoft.com/office/powerpoint/2010/main" val="2955724560"/>
+      </p:ext>
+    </p:extLst>
+  </p:cSld>
+  <p:clrMapOvr>
+    <a:masterClrMapping/>
+  </p:clrMapOvr>
+</p:sld>
+</file>
+
+<file path=ppt/slides/slide22.xml><?xml version="1.0" encoding="utf-8"?>
+<p:sld xmlns:a="http://schemas.openxmlformats.org/drawingml/2006/main" xmlns:r="http://schemas.openxmlformats.org/officeDocument/2006/relationships" xmlns:p="http://schemas.openxmlformats.org/presentationml/2006/main">
+  <p:cSld>
+    <p:spTree>
+      <p:nvGrpSpPr>
+        <p:cNvPr id="1" name=""/>
+        <p:cNvGrpSpPr/>
+        <p:nvPr/>
+      </p:nvGrpSpPr>
+      <p:grpSpPr>
+        <a:xfrm>
+          <a:off x="0" y="0"/>
+          <a:ext cx="0" cy="0"/>
+          <a:chOff x="0" y="0"/>
+          <a:chExt cx="0" cy="0"/>
+        </a:xfrm>
+      </p:grpSpPr>
+      <p:sp>
+        <p:nvSpPr>
+          <p:cNvPr id="2" name="Title 1">
+            <a:extLst>
+              <a:ext uri="{FF2B5EF4-FFF2-40B4-BE49-F238E27FC236}">
+                <a16:creationId xmlns:a16="http://schemas.microsoft.com/office/drawing/2014/main" id="{80B83A5E-0156-CC2C-E719-8FBE496D163C}"/>
+              </a:ext>
+            </a:extLst>
+          </p:cNvPr>
+          <p:cNvSpPr>
+            <a:spLocks noGrp="1"/>
+          </p:cNvSpPr>
+          <p:nvPr>
+            <p:ph type="title"/>
+          </p:nvPr>
+        </p:nvSpPr>
+        <p:spPr/>
+        <p:txBody>
+          <a:bodyPr/>
+          <a:lstStyle/>
+          <a:p>
+            <a:r>
+              <a:rPr lang="en-US" dirty="0"/>
+              <a:t>K-fold Cross Validation</a:t>
+            </a:r>
+          </a:p>
+        </p:txBody>
+      </p:sp>
+      <p:pic>
+        <p:nvPicPr>
+          <p:cNvPr id="20482" name="Picture 2" descr="k_fold">
+            <a:extLst>
+              <a:ext uri="{FF2B5EF4-FFF2-40B4-BE49-F238E27FC236}">
+                <a16:creationId xmlns:a16="http://schemas.microsoft.com/office/drawing/2014/main" id="{3F6137D5-4667-D8E9-3671-A08EC9E17060}"/>
+              </a:ext>
+            </a:extLst>
+          </p:cNvPr>
+          <p:cNvPicPr>
+            <a:picLocks noChangeAspect="1" noChangeArrowheads="1"/>
+          </p:cNvPicPr>
+          <p:nvPr/>
+        </p:nvPicPr>
+        <p:blipFill>
+          <a:blip r:embed="rId2">
+            <a:extLst>
+              <a:ext uri="{28A0092B-C50C-407E-A947-70E740481C1C}">
+                <a14:useLocalDpi xmlns:a14="http://schemas.microsoft.com/office/drawing/2010/main" val="0"/>
+              </a:ext>
+            </a:extLst>
+          </a:blip>
+          <a:srcRect/>
+          <a:stretch>
+            <a:fillRect/>
+          </a:stretch>
+        </p:blipFill>
+        <p:spPr bwMode="auto">
+          <a:xfrm>
+            <a:off x="1371600" y="123478"/>
+            <a:ext cx="6400800" cy="4559300"/>
+          </a:xfrm>
+          <a:prstGeom prst="rect">
+            <a:avLst/>
+          </a:prstGeom>
+          <a:noFill/>
+          <a:extLst>
+            <a:ext uri="{909E8E84-426E-40DD-AFC4-6F175D3DCCD1}">
+              <a14:hiddenFill xmlns:a14="http://schemas.microsoft.com/office/drawing/2010/main">
+                <a:solidFill>
+                  <a:srgbClr val="FFFFFF"/>
+                </a:solidFill>
+              </a14:hiddenFill>
+            </a:ext>
+          </a:extLst>
+        </p:spPr>
+      </p:pic>
+    </p:spTree>
+    <p:extLst>
+      <p:ext uri="{BB962C8B-B14F-4D97-AF65-F5344CB8AC3E}">
+        <p14:creationId xmlns:p14="http://schemas.microsoft.com/office/powerpoint/2010/main" val="3526546125"/>
+      </p:ext>
+    </p:extLst>
+  </p:cSld>
+  <p:clrMapOvr>
+    <a:masterClrMapping/>
+  </p:clrMapOvr>
+</p:sld>
+</file>
+
+<file path=ppt/slides/slide23.xml><?xml version="1.0" encoding="utf-8"?>
+<p:sld xmlns:a="http://schemas.openxmlformats.org/drawingml/2006/main" xmlns:r="http://schemas.openxmlformats.org/officeDocument/2006/relationships" xmlns:p="http://schemas.openxmlformats.org/presentationml/2006/main">
+  <p:cSld>
+    <p:spTree>
+      <p:nvGrpSpPr>
+        <p:cNvPr id="1" name=""/>
+        <p:cNvGrpSpPr/>
+        <p:nvPr/>
+      </p:nvGrpSpPr>
+      <p:grpSpPr>
+        <a:xfrm>
+          <a:off x="0" y="0"/>
+          <a:ext cx="0" cy="0"/>
+          <a:chOff x="0" y="0"/>
+          <a:chExt cx="0" cy="0"/>
+        </a:xfrm>
+      </p:grpSpPr>
+      <p:sp>
+        <p:nvSpPr>
+          <p:cNvPr id="3" name="Text Placeholder 2">
+            <a:extLst>
+              <a:ext uri="{FF2B5EF4-FFF2-40B4-BE49-F238E27FC236}">
+                <a16:creationId xmlns:a16="http://schemas.microsoft.com/office/drawing/2014/main" id="{9B1C32D0-42D7-FE8A-D351-E51D267FD307}"/>
+              </a:ext>
+            </a:extLst>
+          </p:cNvPr>
+          <p:cNvSpPr>
+            <a:spLocks noGrp="1"/>
+          </p:cNvSpPr>
+          <p:nvPr>
+            <p:ph type="body" sz="quarter" idx="16"/>
+          </p:nvPr>
+        </p:nvSpPr>
+        <p:spPr/>
+        <p:txBody>
+          <a:bodyPr/>
+          <a:lstStyle/>
+          <a:p>
+            <a:r>
+              <a:rPr lang="en-US" dirty="0"/>
+              <a:t>Chen </a:t>
+            </a:r>
+            <a:r>
+              <a:rPr lang="en-US" dirty="0" err="1"/>
+              <a:t>Ziji</a:t>
+            </a:r>
+            <a:r>
+              <a:rPr lang="en-US" dirty="0"/>
+              <a:t> / </a:t>
+            </a:r>
+            <a:r>
+              <a:rPr lang="en-US" dirty="0" err="1"/>
+              <a:t>ziji.chen@Mansfield.ox.ac.uk</a:t>
+            </a:r>
+            <a:endParaRPr lang="en-GB" dirty="0"/>
+          </a:p>
+        </p:txBody>
+      </p:sp>
+      <p:sp>
+        <p:nvSpPr>
+          <p:cNvPr id="2" name="Title 1">
+            <a:extLst>
+              <a:ext uri="{FF2B5EF4-FFF2-40B4-BE49-F238E27FC236}">
+                <a16:creationId xmlns:a16="http://schemas.microsoft.com/office/drawing/2014/main" id="{AE8B053B-5660-1C6F-CCAA-141ED54B15B7}"/>
+              </a:ext>
+            </a:extLst>
+          </p:cNvPr>
+          <p:cNvSpPr>
+            <a:spLocks noGrp="1"/>
+          </p:cNvSpPr>
+          <p:nvPr>
+            <p:ph type="ctrTitle"/>
+          </p:nvPr>
+        </p:nvSpPr>
+        <p:spPr/>
+        <p:txBody>
+          <a:bodyPr/>
+          <a:lstStyle/>
+          <a:p>
+            <a:r>
+              <a:rPr lang="en-GB" dirty="0"/>
+              <a:t>Lecture0c: An Introduction to GPU training and CUDA</a:t>
+            </a:r>
+          </a:p>
+        </p:txBody>
+      </p:sp>
+    </p:spTree>
+    <p:extLst>
+      <p:ext uri="{BB962C8B-B14F-4D97-AF65-F5344CB8AC3E}">
+        <p14:creationId xmlns:p14="http://schemas.microsoft.com/office/powerpoint/2010/main" val="3543310305"/>
+      </p:ext>
+    </p:extLst>
+  </p:cSld>
+  <p:clrMapOvr>
+    <a:masterClrMapping/>
+  </p:clrMapOvr>
+</p:sld>
+</file>
+
+<file path=ppt/slides/slide24.xml><?xml version="1.0" encoding="utf-8"?>
+<p:sld xmlns:a="http://schemas.openxmlformats.org/drawingml/2006/main" xmlns:r="http://schemas.openxmlformats.org/officeDocument/2006/relationships" xmlns:p="http://schemas.openxmlformats.org/presentationml/2006/main">
+  <p:cSld>
+    <p:spTree>
+      <p:nvGrpSpPr>
+        <p:cNvPr id="1" name=""/>
+        <p:cNvGrpSpPr/>
+        <p:nvPr/>
+      </p:nvGrpSpPr>
+      <p:grpSpPr>
+        <a:xfrm>
+          <a:off x="0" y="0"/>
+          <a:ext cx="0" cy="0"/>
+          <a:chOff x="0" y="0"/>
+          <a:chExt cx="0" cy="0"/>
+        </a:xfrm>
+      </p:grpSpPr>
+      <p:sp>
+        <p:nvSpPr>
+          <p:cNvPr id="2" name="Text Placeholder 1">
+            <a:extLst>
+              <a:ext uri="{FF2B5EF4-FFF2-40B4-BE49-F238E27FC236}">
+                <a16:creationId xmlns:a16="http://schemas.microsoft.com/office/drawing/2014/main" id="{FA0D1AE7-EEDB-C85A-A281-80228B127CEE}"/>
+              </a:ext>
+            </a:extLst>
+          </p:cNvPr>
+          <p:cNvSpPr>
+            <a:spLocks noGrp="1"/>
+          </p:cNvSpPr>
+          <p:nvPr>
+            <p:ph type="body" sz="quarter" idx="14"/>
+          </p:nvPr>
+        </p:nvSpPr>
+        <p:spPr/>
+        <p:txBody>
+          <a:bodyPr/>
+          <a:lstStyle/>
+          <a:p>
+            <a:endParaRPr lang="en-GB"/>
+          </a:p>
+        </p:txBody>
+      </p:sp>
+      <p:sp>
+        <p:nvSpPr>
+          <p:cNvPr id="3" name="Title 2">
+            <a:extLst>
+              <a:ext uri="{FF2B5EF4-FFF2-40B4-BE49-F238E27FC236}">
+                <a16:creationId xmlns:a16="http://schemas.microsoft.com/office/drawing/2014/main" id="{8CD0EFEF-30A1-4361-BE86-D91D5724BB8A}"/>
+              </a:ext>
+            </a:extLst>
+          </p:cNvPr>
+          <p:cNvSpPr>
+            <a:spLocks noGrp="1"/>
+          </p:cNvSpPr>
+          <p:nvPr>
+            <p:ph type="ctrTitle"/>
+          </p:nvPr>
+        </p:nvSpPr>
+        <p:spPr/>
+        <p:txBody>
+          <a:bodyPr/>
+          <a:lstStyle/>
+          <a:p>
+            <a:r>
+              <a:rPr lang="en-GB" dirty="0"/>
+              <a:t>Thank you</a:t>
+            </a:r>
+            <a:endParaRPr lang="en-US" dirty="0"/>
+          </a:p>
+        </p:txBody>
+      </p:sp>
+      <p:sp>
+        <p:nvSpPr>
+          <p:cNvPr id="4" name="Text Placeholder 3">
+            <a:extLst>
+              <a:ext uri="{FF2B5EF4-FFF2-40B4-BE49-F238E27FC236}">
+                <a16:creationId xmlns:a16="http://schemas.microsoft.com/office/drawing/2014/main" id="{C93B90F4-555E-3F1B-A9BA-A45B6449F371}"/>
+              </a:ext>
+            </a:extLst>
+          </p:cNvPr>
+          <p:cNvSpPr>
+            <a:spLocks noGrp="1"/>
+          </p:cNvSpPr>
+          <p:nvPr>
+            <p:ph type="body" sz="quarter" idx="16"/>
+          </p:nvPr>
+        </p:nvSpPr>
+        <p:spPr/>
+        <p:txBody>
+          <a:bodyPr/>
+          <a:lstStyle/>
+          <a:p>
+            <a:endParaRPr lang="en-GB"/>
+          </a:p>
+        </p:txBody>
+      </p:sp>
+    </p:spTree>
+    <p:extLst>
+      <p:ext uri="{BB962C8B-B14F-4D97-AF65-F5344CB8AC3E}">
+        <p14:creationId xmlns:p14="http://schemas.microsoft.com/office/powerpoint/2010/main" val="2532112526"/>
       </p:ext>
     </p:extLst>
   </p:cSld>
@@ -3977,7 +5738,7 @@
           <a:p>
             <a:r>
               <a:rPr lang="en-GB" dirty="0"/>
-              <a:t>Lecture1: An Introduction to Computer Science and Python </a:t>
+              <a:t>Lecture0a: An Introduction to Computer Science and Python </a:t>
             </a:r>
           </a:p>
         </p:txBody>
@@ -4049,20 +5810,17 @@
             <a:r>
               <a:rPr lang="en-GB" sz="1800" b="0" i="0" dirty="0">
                 <a:effectLst/>
-                <a:latin typeface="var(--jp-content-font-family)"/>
               </a:rPr>
               <a:t>When working on the top layer, still need to understand enough of the lower layers to do our job well.</a:t>
             </a:r>
             <a:br>
               <a:rPr lang="en-GB" sz="2800" b="0" i="0" dirty="0">
                 <a:effectLst/>
-                <a:latin typeface="var(--jp-content-font-family)"/>
               </a:rPr>
             </a:br>
             <a:br>
               <a:rPr lang="en-GB" sz="2800" b="1" i="0" dirty="0">
                 <a:effectLst/>
-                <a:latin typeface="system-ui"/>
               </a:rPr>
             </a:br>
             <a:endParaRPr lang="en-US" sz="2800" dirty="0"/>
@@ -4094,7 +5852,6 @@
             <a:r>
               <a:rPr lang="en-GB" sz="2400" b="0" i="0" dirty="0">
                 <a:effectLst/>
-                <a:latin typeface="var(--jp-content-font-family)"/>
               </a:rPr>
               <a:t>Computers are built in layers:</a:t>
             </a:r>
@@ -4107,7 +5864,6 @@
             <a:r>
               <a:rPr lang="en-GB" sz="2400" b="0" i="0" dirty="0">
                 <a:effectLst/>
-                <a:latin typeface="var(--jp-content-font-family)"/>
               </a:rPr>
               <a:t>Maths, Physics &amp; Chemistry</a:t>
             </a:r>
@@ -4120,7 +5876,6 @@
             <a:r>
               <a:rPr lang="en-GB" sz="2400" b="0" i="0" dirty="0">
                 <a:effectLst/>
-                <a:latin typeface="var(--jp-content-font-family)"/>
               </a:rPr>
               <a:t>Electrical &amp; Computer engineering</a:t>
             </a:r>
@@ -4133,7 +5888,6 @@
             <a:r>
               <a:rPr lang="en-GB" sz="2400" b="0" i="0" dirty="0">
                 <a:effectLst/>
-                <a:latin typeface="var(--jp-content-font-family)"/>
               </a:rPr>
               <a:t>Computer Science (Theory &amp; Architecture)</a:t>
             </a:r>
@@ -4146,7 +5900,6 @@
             <a:r>
               <a:rPr lang="en-GB" sz="2400" b="0" i="0" dirty="0">
                 <a:effectLst/>
-                <a:latin typeface="var(--jp-content-font-family)"/>
               </a:rPr>
               <a:t>Software Engineering</a:t>
             </a:r>
@@ -4159,7 +5912,6 @@
             <a:r>
               <a:rPr lang="en-GB" sz="2400" b="0" i="0" dirty="0">
                 <a:effectLst/>
-                <a:latin typeface="var(--jp-content-font-family)"/>
               </a:rPr>
               <a:t>Data &amp; Computational Scientists/Engineers</a:t>
             </a:r>
@@ -4252,7 +6004,6 @@
             <a:r>
               <a:rPr lang="en-GB" sz="2400" b="0" i="0" dirty="0">
                 <a:effectLst/>
-                <a:latin typeface="system-ui"/>
               </a:rPr>
               <a:t>Popular &amp; in demand.</a:t>
             </a:r>
@@ -4265,7 +6016,6 @@
             <a:r>
               <a:rPr lang="en-GB" sz="2400" b="0" i="0" dirty="0">
                 <a:effectLst/>
-                <a:latin typeface="system-ui"/>
               </a:rPr>
               <a:t>General purpose interpreted programming language.</a:t>
             </a:r>
@@ -4278,7 +6028,6 @@
             <a:r>
               <a:rPr lang="en-GB" sz="2400" b="0" i="0" dirty="0">
                 <a:effectLst/>
-                <a:latin typeface="system-ui"/>
               </a:rPr>
               <a:t>Competes with R in the Data Science space.</a:t>
             </a:r>
@@ -4291,7 +6040,6 @@
             <a:r>
               <a:rPr lang="en-GB" sz="2400" b="0" i="0" dirty="0">
                 <a:effectLst/>
-                <a:latin typeface="system-ui"/>
               </a:rPr>
               <a:t>Large library of Machine/Deep learning packages.</a:t>
             </a:r>
@@ -4434,7 +6182,6 @@
             <a:r>
               <a:rPr lang="en-GB" sz="2400" b="0" i="0" dirty="0">
                 <a:effectLst/>
-                <a:latin typeface="system-ui"/>
               </a:rPr>
               <a:t>Easy to do simple things.</a:t>
             </a:r>
@@ -4447,7 +6194,6 @@
             <a:r>
               <a:rPr lang="en-GB" sz="2400" b="0" i="0" dirty="0">
                 <a:effectLst/>
-                <a:latin typeface="system-ui"/>
               </a:rPr>
               <a:t>Python does a lot of the hard work for you.</a:t>
             </a:r>
@@ -4460,7 +6206,6 @@
             <a:r>
               <a:rPr lang="en-GB" sz="2400" b="0" i="0" dirty="0">
                 <a:effectLst/>
-                <a:latin typeface="system-ui"/>
               </a:rPr>
               <a:t>Generally not too hard to do more complex things.</a:t>
             </a:r>
@@ -4473,7 +6218,6 @@
             <a:r>
               <a:rPr lang="en-GB" sz="2400" b="0" i="0" dirty="0">
                 <a:effectLst/>
-                <a:latin typeface="system-ui"/>
               </a:rPr>
               <a:t>Possible (not always easy) to do really complex things.</a:t>
             </a:r>
@@ -4704,10 +6448,10 @@
       </p:grpSpPr>
       <p:sp>
         <p:nvSpPr>
-          <p:cNvPr id="2" name="Text Placeholder 1">
-            <a:extLst>
-              <a:ext uri="{FF2B5EF4-FFF2-40B4-BE49-F238E27FC236}">
-                <a16:creationId xmlns:a16="http://schemas.microsoft.com/office/drawing/2014/main" id="{FA0D1AE7-EEDB-C85A-A281-80228B127CEE}"/>
+          <p:cNvPr id="3" name="Text Placeholder 2">
+            <a:extLst>
+              <a:ext uri="{FF2B5EF4-FFF2-40B4-BE49-F238E27FC236}">
+                <a16:creationId xmlns:a16="http://schemas.microsoft.com/office/drawing/2014/main" id="{9B1C32D0-42D7-FE8A-D351-E51D267FD307}"/>
               </a:ext>
             </a:extLst>
           </p:cNvPr>
@@ -4715,7 +6459,7 @@
             <a:spLocks noGrp="1"/>
           </p:cNvSpPr>
           <p:nvPr>
-            <p:ph type="body" sz="quarter" idx="14"/>
+            <p:ph type="body" sz="quarter" idx="16"/>
           </p:nvPr>
         </p:nvSpPr>
         <p:spPr/>
@@ -4723,16 +6467,32 @@
           <a:bodyPr/>
           <a:lstStyle/>
           <a:p>
-            <a:endParaRPr lang="en-GB"/>
-          </a:p>
-        </p:txBody>
-      </p:sp>
-      <p:sp>
-        <p:nvSpPr>
-          <p:cNvPr id="3" name="Title 2">
-            <a:extLst>
-              <a:ext uri="{FF2B5EF4-FFF2-40B4-BE49-F238E27FC236}">
-                <a16:creationId xmlns:a16="http://schemas.microsoft.com/office/drawing/2014/main" id="{8CD0EFEF-30A1-4361-BE86-D91D5724BB8A}"/>
+            <a:r>
+              <a:rPr lang="en-US" dirty="0"/>
+              <a:t>Chen </a:t>
+            </a:r>
+            <a:r>
+              <a:rPr lang="en-US" dirty="0" err="1"/>
+              <a:t>Ziji</a:t>
+            </a:r>
+            <a:r>
+              <a:rPr lang="en-US" dirty="0"/>
+              <a:t> / </a:t>
+            </a:r>
+            <a:r>
+              <a:rPr lang="en-US" dirty="0" err="1"/>
+              <a:t>ziji.chen@Mansfield.ox.ac.uk</a:t>
+            </a:r>
+            <a:endParaRPr lang="en-GB" dirty="0"/>
+          </a:p>
+        </p:txBody>
+      </p:sp>
+      <p:sp>
+        <p:nvSpPr>
+          <p:cNvPr id="2" name="Title 1">
+            <a:extLst>
+              <a:ext uri="{FF2B5EF4-FFF2-40B4-BE49-F238E27FC236}">
+                <a16:creationId xmlns:a16="http://schemas.microsoft.com/office/drawing/2014/main" id="{AE8B053B-5660-1C6F-CCAA-141ED54B15B7}"/>
               </a:ext>
             </a:extLst>
           </p:cNvPr>
@@ -4750,41 +6510,190 @@
           <a:p>
             <a:r>
               <a:rPr lang="en-GB" dirty="0"/>
-              <a:t>Thank you</a:t>
-            </a:r>
-            <a:endParaRPr lang="en-US" dirty="0"/>
-          </a:p>
-        </p:txBody>
-      </p:sp>
-      <p:sp>
-        <p:nvSpPr>
-          <p:cNvPr id="4" name="Text Placeholder 3">
-            <a:extLst>
-              <a:ext uri="{FF2B5EF4-FFF2-40B4-BE49-F238E27FC236}">
-                <a16:creationId xmlns:a16="http://schemas.microsoft.com/office/drawing/2014/main" id="{C93B90F4-555E-3F1B-A9BA-A45B6449F371}"/>
-              </a:ext>
-            </a:extLst>
-          </p:cNvPr>
-          <p:cNvSpPr>
-            <a:spLocks noGrp="1"/>
-          </p:cNvSpPr>
-          <p:nvPr>
-            <p:ph type="body" sz="quarter" idx="16"/>
-          </p:nvPr>
-        </p:nvSpPr>
-        <p:spPr/>
-        <p:txBody>
-          <a:bodyPr/>
-          <a:lstStyle/>
-          <a:p>
-            <a:endParaRPr lang="en-GB"/>
+              <a:t>Lecture0b: An Introduction to Data Science and Machine Learning</a:t>
+            </a:r>
           </a:p>
         </p:txBody>
       </p:sp>
     </p:spTree>
     <p:extLst>
       <p:ext uri="{BB962C8B-B14F-4D97-AF65-F5344CB8AC3E}">
-        <p14:creationId xmlns:p14="http://schemas.microsoft.com/office/powerpoint/2010/main" val="2532112526"/>
+        <p14:creationId xmlns:p14="http://schemas.microsoft.com/office/powerpoint/2010/main" val="1457013833"/>
+      </p:ext>
+    </p:extLst>
+  </p:cSld>
+  <p:clrMapOvr>
+    <a:masterClrMapping/>
+  </p:clrMapOvr>
+</p:sld>
+</file>
+
+<file path=ppt/slides/slide9.xml><?xml version="1.0" encoding="utf-8"?>
+<p:sld xmlns:a="http://schemas.openxmlformats.org/drawingml/2006/main" xmlns:r="http://schemas.openxmlformats.org/officeDocument/2006/relationships" xmlns:p="http://schemas.openxmlformats.org/presentationml/2006/main">
+  <p:cSld>
+    <p:spTree>
+      <p:nvGrpSpPr>
+        <p:cNvPr id="1" name=""/>
+        <p:cNvGrpSpPr/>
+        <p:nvPr/>
+      </p:nvGrpSpPr>
+      <p:grpSpPr>
+        <a:xfrm>
+          <a:off x="0" y="0"/>
+          <a:ext cx="0" cy="0"/>
+          <a:chOff x="0" y="0"/>
+          <a:chExt cx="0" cy="0"/>
+        </a:xfrm>
+      </p:grpSpPr>
+      <p:sp>
+        <p:nvSpPr>
+          <p:cNvPr id="2" name="Title 1">
+            <a:extLst>
+              <a:ext uri="{FF2B5EF4-FFF2-40B4-BE49-F238E27FC236}">
+                <a16:creationId xmlns:a16="http://schemas.microsoft.com/office/drawing/2014/main" id="{764AB3A9-38A9-D23D-5985-E05EA282DDB2}"/>
+              </a:ext>
+            </a:extLst>
+          </p:cNvPr>
+          <p:cNvSpPr>
+            <a:spLocks noGrp="1"/>
+          </p:cNvSpPr>
+          <p:nvPr>
+            <p:ph type="title"/>
+          </p:nvPr>
+        </p:nvSpPr>
+        <p:spPr/>
+        <p:txBody>
+          <a:bodyPr/>
+          <a:lstStyle/>
+          <a:p>
+            <a:r>
+              <a:rPr lang="en-US" dirty="0"/>
+              <a:t>Data Science and Machine Learning</a:t>
+            </a:r>
+          </a:p>
+        </p:txBody>
+      </p:sp>
+      <p:sp>
+        <p:nvSpPr>
+          <p:cNvPr id="3" name="Text Placeholder 2">
+            <a:extLst>
+              <a:ext uri="{FF2B5EF4-FFF2-40B4-BE49-F238E27FC236}">
+                <a16:creationId xmlns:a16="http://schemas.microsoft.com/office/drawing/2014/main" id="{99E53B81-FFC5-48BB-5B0C-95FB5364A303}"/>
+              </a:ext>
+            </a:extLst>
+          </p:cNvPr>
+          <p:cNvSpPr>
+            <a:spLocks noGrp="1"/>
+          </p:cNvSpPr>
+          <p:nvPr>
+            <p:ph type="body" sz="quarter" idx="10"/>
+          </p:nvPr>
+        </p:nvSpPr>
+        <p:spPr>
+          <a:xfrm>
+            <a:off x="3521078" y="483517"/>
+            <a:ext cx="5544616" cy="4176464"/>
+          </a:xfrm>
+        </p:spPr>
+        <p:txBody>
+          <a:bodyPr/>
+          <a:lstStyle/>
+          <a:p>
+            <a:pPr algn="l"/>
+            <a:r>
+              <a:rPr lang="en-GB" sz="2000" b="1" i="0" dirty="0">
+                <a:effectLst/>
+              </a:rPr>
+              <a:t>Machine Learning vs General Programming</a:t>
+            </a:r>
+          </a:p>
+          <a:p>
+            <a:pPr algn="l">
+              <a:buFont typeface="Arial" panose="020B0604020202020204" pitchFamily="34" charset="0"/>
+              <a:buChar char="•"/>
+            </a:pPr>
+            <a:r>
+              <a:rPr lang="en-GB" sz="2000" b="0" i="0" dirty="0">
+                <a:effectLst/>
+              </a:rPr>
+              <a:t>In </a:t>
+            </a:r>
+            <a:r>
+              <a:rPr lang="en-GB" sz="2000" b="1" i="0" dirty="0">
+                <a:solidFill>
+                  <a:srgbClr val="0000FF"/>
+                </a:solidFill>
+                <a:effectLst/>
+              </a:rPr>
+              <a:t>general programming</a:t>
+            </a:r>
+            <a:r>
+              <a:rPr lang="en-GB" sz="2000" b="0" i="0" dirty="0">
+                <a:effectLst/>
+              </a:rPr>
+              <a:t>, the output is the result of applying a set of rules (the "program") to input data.</a:t>
+            </a:r>
+          </a:p>
+          <a:p>
+            <a:pPr algn="l">
+              <a:buFont typeface="Arial" panose="020B0604020202020204" pitchFamily="34" charset="0"/>
+              <a:buChar char="•"/>
+            </a:pPr>
+            <a:r>
+              <a:rPr lang="en-GB" sz="2000" b="0" i="0" dirty="0">
+                <a:effectLst/>
+              </a:rPr>
+              <a:t>In </a:t>
+            </a:r>
+            <a:r>
+              <a:rPr lang="en-GB" sz="2000" b="1" i="0" dirty="0">
+                <a:solidFill>
+                  <a:srgbClr val="008080"/>
+                </a:solidFill>
+                <a:effectLst/>
+              </a:rPr>
+              <a:t>machine learning</a:t>
+            </a:r>
+            <a:r>
+              <a:rPr lang="en-GB" sz="2000" b="0" i="0" dirty="0">
+                <a:effectLst/>
+              </a:rPr>
+              <a:t> the rules are not pre-defined: instead, the input (</a:t>
+            </a:r>
+            <a:r>
+              <a:rPr lang="en-GB" sz="2000" b="1" i="0" dirty="0">
+                <a:effectLst/>
+              </a:rPr>
+              <a:t>features</a:t>
+            </a:r>
+            <a:r>
+              <a:rPr lang="en-GB" sz="2000" b="0" i="0" dirty="0">
+                <a:effectLst/>
+              </a:rPr>
+              <a:t>) and expected outputs (</a:t>
+            </a:r>
+            <a:r>
+              <a:rPr lang="en-GB" sz="2000" b="1" i="0" dirty="0">
+                <a:effectLst/>
+              </a:rPr>
+              <a:t>labels</a:t>
+            </a:r>
+            <a:r>
+              <a:rPr lang="en-GB" sz="2000" b="0" i="0" dirty="0">
+                <a:effectLst/>
+              </a:rPr>
+              <a:t>) are given and the computer learns the rules from the underlying statistics of the data.</a:t>
+            </a:r>
+          </a:p>
+          <a:p>
+            <a:endParaRPr lang="en-US" sz="2000" dirty="0"/>
+          </a:p>
+        </p:txBody>
+      </p:sp>
+    </p:spTree>
+    <p:extLst>
+      <p:ext uri="{BB962C8B-B14F-4D97-AF65-F5344CB8AC3E}">
+        <p14:creationId xmlns:p14="http://schemas.microsoft.com/office/powerpoint/2010/main" val="1301578192"/>
       </p:ext>
     </p:extLst>
   </p:cSld>
